--- a/01-CourseIntroduction/01-CourseIntroduction.pptx
+++ b/01-CourseIntroduction/01-CourseIntroduction.pptx
@@ -137,16 +137,32 @@
 </p:presentation>
 </file>
 
-<file path=ppt/revisionInfo.xml><?xml version="1.0" encoding="utf-8"?>
-<p1510:revInfo xmlns:a="http://schemas.openxmlformats.org/drawingml/2006/main" xmlns:r="http://schemas.openxmlformats.org/officeDocument/2006/relationships" xmlns:p1510="http://schemas.microsoft.com/office/powerpoint/2015/10/main">
-  <p1510:revLst>
-    <p1510:client id="{7A525ED9-15C5-4C9C-84AF-3B7D88D36FC4}" v="10" dt="2023-10-05T11:26:11.898"/>
-  </p1510:revLst>
-</p1510:revInfo>
-</file>
-
 <file path=ppt/changesInfos/changesInfo1.xml><?xml version="1.0" encoding="utf-8"?>
 <pc:chgInfo xmlns:a="http://schemas.openxmlformats.org/drawingml/2006/main" xmlns:r="http://schemas.openxmlformats.org/officeDocument/2006/relationships" xmlns:ac="http://schemas.microsoft.com/office/drawing/2013/main/command" xmlns:pc="http://schemas.microsoft.com/office/powerpoint/2013/main/command">
+  <pc:docChgLst>
+    <pc:chgData name="Julia Mieszaniec" userId="68bcde3c017dada5" providerId="LiveId" clId="{E1B10F65-4A02-433A-9B11-BAE2A201D8C6}"/>
+    <pc:docChg chg="undo custSel modSld">
+      <pc:chgData name="Julia Mieszaniec" userId="68bcde3c017dada5" providerId="LiveId" clId="{E1B10F65-4A02-433A-9B11-BAE2A201D8C6}" dt="2023-12-31T10:21:13.283" v="1"/>
+      <pc:docMkLst>
+        <pc:docMk/>
+      </pc:docMkLst>
+      <pc:sldChg chg="modSp mod">
+        <pc:chgData name="Julia Mieszaniec" userId="68bcde3c017dada5" providerId="LiveId" clId="{E1B10F65-4A02-433A-9B11-BAE2A201D8C6}" dt="2023-12-31T10:21:13.283" v="1"/>
+        <pc:sldMkLst>
+          <pc:docMk/>
+          <pc:sldMk cId="1394196248" sldId="330"/>
+        </pc:sldMkLst>
+        <pc:spChg chg="mod">
+          <ac:chgData name="Julia Mieszaniec" userId="68bcde3c017dada5" providerId="LiveId" clId="{E1B10F65-4A02-433A-9B11-BAE2A201D8C6}" dt="2023-12-31T10:21:13.283" v="1"/>
+          <ac:spMkLst>
+            <pc:docMk/>
+            <pc:sldMk cId="1394196248" sldId="330"/>
+            <ac:spMk id="2" creationId="{417555C3-BA67-4B2C-8143-1205B270C39B}"/>
+          </ac:spMkLst>
+        </pc:spChg>
+      </pc:sldChg>
+    </pc:docChg>
+  </pc:docChgLst>
   <pc:docChgLst>
     <pc:chgData name="Janusz Stal" userId="570fe9c4-9123-4bde-9755-2a9767a29a9c" providerId="ADAL" clId="{7A525ED9-15C5-4C9C-84AF-3B7D88D36FC4}"/>
     <pc:docChg chg="undo custSel addSld delSld modSld sldOrd">
@@ -1327,7 +1343,7 @@
           <a:p>
             <a:fld id="{C106EF3D-C2A7-4690-80C8-C2473A856193}" type="datetimeFigureOut">
               <a:rPr lang="pl-PL" smtClean="0"/>
-              <a:t>05.10.2023</a:t>
+              <a:t>31.12.2023</a:t>
             </a:fld>
             <a:endParaRPr lang="pl-PL" dirty="0"/>
           </a:p>
@@ -1492,7 +1508,7 @@
           <a:p>
             <a:fld id="{85D68E81-03CD-43A1-B18B-BEB6B9439387}" type="datetimeFigureOut">
               <a:rPr lang="pl-PL" smtClean="0"/>
-              <a:t>05.10.2023</a:t>
+              <a:t>29.12.2023</a:t>
             </a:fld>
             <a:endParaRPr lang="pl-PL" dirty="0"/>
           </a:p>
@@ -3660,7 +3676,7 @@
           <a:p>
             <a:fld id="{F26B3061-B9B7-461F-AB67-5D66A3ABCDA5}" type="datetime1">
               <a:rPr lang="pl-PL" smtClean="0"/>
-              <a:t>05.10.2023</a:t>
+              <a:t>29.12.2023</a:t>
             </a:fld>
             <a:endParaRPr lang="pl-PL" dirty="0"/>
           </a:p>
@@ -3935,7 +3951,7 @@
           <a:p>
             <a:fld id="{A2ADAE54-1728-4B6D-BEF4-D2AEA4F8114E}" type="datetime1">
               <a:rPr lang="pl-PL" smtClean="0"/>
-              <a:t>05.10.2023</a:t>
+              <a:t>29.12.2023</a:t>
             </a:fld>
             <a:endParaRPr lang="pl-PL" dirty="0"/>
           </a:p>
@@ -4187,7 +4203,7 @@
           <a:p>
             <a:fld id="{919C3B4F-179D-44ED-90DF-E8739DC8608F}" type="datetime1">
               <a:rPr lang="pl-PL" smtClean="0"/>
-              <a:t>05.10.2023</a:t>
+              <a:t>29.12.2023</a:t>
             </a:fld>
             <a:endParaRPr lang="pl-PL" dirty="0"/>
           </a:p>
@@ -4355,7 +4371,7 @@
           <a:p>
             <a:fld id="{10A2297D-8C4B-4C5B-B66E-47E601842B03}" type="datetime1">
               <a:rPr lang="pl-PL" smtClean="0"/>
-              <a:t>05.10.2023</a:t>
+              <a:t>29.12.2023</a:t>
             </a:fld>
             <a:endParaRPr lang="pl-PL" dirty="0"/>
           </a:p>
@@ -4533,7 +4549,7 @@
           <a:p>
             <a:fld id="{94B42B50-113C-45E3-9231-B66C297B394E}" type="datetime1">
               <a:rPr lang="pl-PL" smtClean="0"/>
-              <a:t>05.10.2023</a:t>
+              <a:t>29.12.2023</a:t>
             </a:fld>
             <a:endParaRPr lang="pl-PL" dirty="0"/>
           </a:p>
@@ -4690,7 +4706,7 @@
           <a:p>
             <a:fld id="{9549FAE5-AB97-492F-ADAE-06E72624D9F3}" type="datetime1">
               <a:rPr lang="pl-PL" smtClean="0"/>
-              <a:t>05.10.2023</a:t>
+              <a:t>29.12.2023</a:t>
             </a:fld>
             <a:endParaRPr lang="pl-PL" dirty="0"/>
           </a:p>
@@ -4878,7 +4894,7 @@
           <a:p>
             <a:fld id="{9549FAE5-AB97-492F-ADAE-06E72624D9F3}" type="datetime1">
               <a:rPr lang="pl-PL" smtClean="0"/>
-              <a:t>05.10.2023</a:t>
+              <a:t>29.12.2023</a:t>
             </a:fld>
             <a:endParaRPr lang="pl-PL" dirty="0"/>
           </a:p>
@@ -5065,7 +5081,7 @@
           <a:p>
             <a:fld id="{9549FAE5-AB97-492F-ADAE-06E72624D9F3}" type="datetime1">
               <a:rPr lang="pl-PL" smtClean="0"/>
-              <a:t>05.10.2023</a:t>
+              <a:t>29.12.2023</a:t>
             </a:fld>
             <a:endParaRPr lang="pl-PL" dirty="0"/>
           </a:p>
@@ -5337,7 +5353,7 @@
           <a:p>
             <a:fld id="{ED0EDA0A-F020-4B01-AF63-E290248EFD6B}" type="datetime1">
               <a:rPr lang="pl-PL" smtClean="0"/>
-              <a:t>05.10.2023</a:t>
+              <a:t>29.12.2023</a:t>
             </a:fld>
             <a:endParaRPr lang="pl-PL" dirty="0"/>
           </a:p>
@@ -5593,7 +5609,7 @@
           <a:p>
             <a:fld id="{8B752FBA-2CC8-4F32-B36A-B6E16B4A5C14}" type="datetime1">
               <a:rPr lang="pl-PL" smtClean="0"/>
-              <a:t>05.10.2023</a:t>
+              <a:t>29.12.2023</a:t>
             </a:fld>
             <a:endParaRPr lang="pl-PL" dirty="0"/>
           </a:p>
@@ -5979,7 +5995,7 @@
           <a:p>
             <a:fld id="{3B7BA32A-B79B-42FE-906A-2593AD6A7FCC}" type="datetime1">
               <a:rPr lang="pl-PL" smtClean="0"/>
-              <a:t>05.10.2023</a:t>
+              <a:t>29.12.2023</a:t>
             </a:fld>
             <a:endParaRPr lang="pl-PL" dirty="0"/>
           </a:p>
@@ -6101,7 +6117,7 @@
           <a:p>
             <a:fld id="{3E28EDCB-CC2B-4C70-B921-DD5382BD4849}" type="datetime1">
               <a:rPr lang="pl-PL" smtClean="0"/>
-              <a:t>05.10.2023</a:t>
+              <a:t>29.12.2023</a:t>
             </a:fld>
             <a:endParaRPr lang="pl-PL" dirty="0"/>
           </a:p>
@@ -6196,7 +6212,7 @@
           <a:p>
             <a:fld id="{E960CF9B-2F8C-4614-93FE-75BD5748BF99}" type="datetime1">
               <a:rPr lang="pl-PL" smtClean="0"/>
-              <a:t>05.10.2023</a:t>
+              <a:t>29.12.2023</a:t>
             </a:fld>
             <a:endParaRPr lang="pl-PL" dirty="0"/>
           </a:p>
@@ -6412,7 +6428,7 @@
           <a:p>
             <a:fld id="{8F276EAB-4011-4C81-ACEC-B79731A9A244}" type="datetime1">
               <a:rPr lang="pl-PL" smtClean="0"/>
-              <a:t>05.10.2023</a:t>
+              <a:t>29.12.2023</a:t>
             </a:fld>
             <a:endParaRPr lang="pl-PL" dirty="0"/>
           </a:p>
@@ -6893,13 +6909,13 @@
   <p:clrMapOvr>
     <a:masterClrMapping/>
   </p:clrMapOvr>
-  <mc:AlternateContent xmlns:mc="http://schemas.openxmlformats.org/markup-compatibility/2006">
-    <mc:Choice xmlns:p14="http://schemas.microsoft.com/office/powerpoint/2010/main" Requires="p14">
+  <mc:AlternateContent xmlns:mc="http://schemas.openxmlformats.org/markup-compatibility/2006" xmlns:p14="http://schemas.microsoft.com/office/powerpoint/2010/main">
+    <mc:Choice Requires="p14">
       <p:transition spd="slow" p14:dur="1200">
         <p14:prism/>
       </p:transition>
     </mc:Choice>
-    <mc:Fallback>
+    <mc:Fallback xmlns="">
       <p:transition spd="slow">
         <p:fade/>
       </p:transition>
@@ -7149,13 +7165,13 @@
   <p:clrMapOvr>
     <a:masterClrMapping/>
   </p:clrMapOvr>
-  <mc:AlternateContent xmlns:mc="http://schemas.openxmlformats.org/markup-compatibility/2006">
-    <mc:Choice xmlns:p14="http://schemas.microsoft.com/office/powerpoint/2010/main" Requires="p14">
+  <mc:AlternateContent xmlns:mc="http://schemas.openxmlformats.org/markup-compatibility/2006" xmlns:p14="http://schemas.microsoft.com/office/powerpoint/2010/main">
+    <mc:Choice Requires="p14">
       <p:transition spd="slow" p14:dur="1200">
         <p14:prism/>
       </p:transition>
     </mc:Choice>
-    <mc:Fallback>
+    <mc:Fallback xmlns="">
       <p:transition spd="slow">
         <p:fade/>
       </p:transition>
@@ -7298,13 +7314,13 @@
   <p:clrMapOvr>
     <a:masterClrMapping/>
   </p:clrMapOvr>
-  <mc:AlternateContent xmlns:mc="http://schemas.openxmlformats.org/markup-compatibility/2006">
-    <mc:Choice xmlns:p14="http://schemas.microsoft.com/office/powerpoint/2010/main" Requires="p14">
+  <mc:AlternateContent xmlns:mc="http://schemas.openxmlformats.org/markup-compatibility/2006" xmlns:p14="http://schemas.microsoft.com/office/powerpoint/2010/main">
+    <mc:Choice Requires="p14">
       <p:transition spd="slow" p14:dur="1200" advTm="25721">
         <p14:prism/>
       </p:transition>
     </mc:Choice>
-    <mc:Fallback>
+    <mc:Fallback xmlns="">
       <p:transition spd="slow" advTm="25721">
         <p:fade/>
       </p:transition>
@@ -7511,13 +7527,13 @@
   <p:clrMapOvr>
     <a:masterClrMapping/>
   </p:clrMapOvr>
-  <mc:AlternateContent xmlns:mc="http://schemas.openxmlformats.org/markup-compatibility/2006">
-    <mc:Choice xmlns:p14="http://schemas.microsoft.com/office/powerpoint/2010/main" Requires="p14">
+  <mc:AlternateContent xmlns:mc="http://schemas.openxmlformats.org/markup-compatibility/2006" xmlns:p14="http://schemas.microsoft.com/office/powerpoint/2010/main">
+    <mc:Choice Requires="p14">
       <p:transition spd="slow" p14:dur="1200" advTm="30614">
         <p14:prism/>
       </p:transition>
     </mc:Choice>
-    <mc:Fallback>
+    <mc:Fallback xmlns="">
       <p:transition spd="slow" advTm="30614">
         <p:fade/>
       </p:transition>
@@ -7726,13 +7742,13 @@
   <p:clrMapOvr>
     <a:masterClrMapping/>
   </p:clrMapOvr>
-  <mc:AlternateContent xmlns:mc="http://schemas.openxmlformats.org/markup-compatibility/2006">
-    <mc:Choice xmlns:p14="http://schemas.microsoft.com/office/powerpoint/2010/main" Requires="p14">
+  <mc:AlternateContent xmlns:mc="http://schemas.openxmlformats.org/markup-compatibility/2006" xmlns:p14="http://schemas.microsoft.com/office/powerpoint/2010/main">
+    <mc:Choice Requires="p14">
       <p:transition spd="slow" p14:dur="1200" advTm="30598">
         <p14:prism/>
       </p:transition>
     </mc:Choice>
-    <mc:Fallback>
+    <mc:Fallback xmlns="">
       <p:transition spd="slow" advTm="30598">
         <p:fade/>
       </p:transition>
@@ -8028,13 +8044,13 @@
   <p:clrMapOvr>
     <a:masterClrMapping/>
   </p:clrMapOvr>
-  <mc:AlternateContent xmlns:mc="http://schemas.openxmlformats.org/markup-compatibility/2006">
-    <mc:Choice xmlns:p14="http://schemas.microsoft.com/office/powerpoint/2010/main" Requires="p14">
+  <mc:AlternateContent xmlns:mc="http://schemas.openxmlformats.org/markup-compatibility/2006" xmlns:p14="http://schemas.microsoft.com/office/powerpoint/2010/main">
+    <mc:Choice Requires="p14">
       <p:transition spd="slow" p14:dur="1200" advTm="21875">
         <p14:prism/>
       </p:transition>
     </mc:Choice>
-    <mc:Fallback>
+    <mc:Fallback xmlns="">
       <p:transition spd="slow" advTm="21875">
         <p:fade/>
       </p:transition>
@@ -8156,13 +8172,13 @@
   <p:clrMapOvr>
     <a:masterClrMapping/>
   </p:clrMapOvr>
-  <mc:AlternateContent xmlns:mc="http://schemas.openxmlformats.org/markup-compatibility/2006">
-    <mc:Choice xmlns:p14="http://schemas.microsoft.com/office/powerpoint/2010/main" Requires="p14">
+  <mc:AlternateContent xmlns:mc="http://schemas.openxmlformats.org/markup-compatibility/2006" xmlns:p14="http://schemas.microsoft.com/office/powerpoint/2010/main">
+    <mc:Choice Requires="p14">
       <p:transition spd="slow" p14:dur="1200">
         <p14:prism/>
       </p:transition>
     </mc:Choice>
-    <mc:Fallback>
+    <mc:Fallback xmlns="">
       <p:transition spd="slow">
         <p:fade/>
       </p:transition>
@@ -8466,13 +8482,13 @@
   <p:clrMapOvr>
     <a:masterClrMapping/>
   </p:clrMapOvr>
-  <mc:AlternateContent xmlns:mc="http://schemas.openxmlformats.org/markup-compatibility/2006">
-    <mc:Choice xmlns:p14="http://schemas.microsoft.com/office/powerpoint/2010/main" Requires="p14">
+  <mc:AlternateContent xmlns:mc="http://schemas.openxmlformats.org/markup-compatibility/2006" xmlns:p14="http://schemas.microsoft.com/office/powerpoint/2010/main">
+    <mc:Choice Requires="p14">
       <p:transition spd="slow" p14:dur="1200">
         <p14:prism/>
       </p:transition>
     </mc:Choice>
-    <mc:Fallback>
+    <mc:Fallback xmlns="">
       <p:transition spd="slow">
         <p:fade/>
       </p:transition>
@@ -8686,13 +8702,13 @@
   <p:clrMapOvr>
     <a:masterClrMapping/>
   </p:clrMapOvr>
-  <mc:AlternateContent xmlns:mc="http://schemas.openxmlformats.org/markup-compatibility/2006">
-    <mc:Choice xmlns:p14="http://schemas.microsoft.com/office/powerpoint/2010/main" Requires="p14">
+  <mc:AlternateContent xmlns:mc="http://schemas.openxmlformats.org/markup-compatibility/2006" xmlns:p14="http://schemas.microsoft.com/office/powerpoint/2010/main">
+    <mc:Choice Requires="p14">
       <p:transition spd="slow" p14:dur="1200">
         <p14:prism/>
       </p:transition>
     </mc:Choice>
-    <mc:Fallback>
+    <mc:Fallback xmlns="">
       <p:transition spd="slow">
         <p:fade/>
       </p:transition>
@@ -8813,13 +8829,13 @@
   <p:clrMapOvr>
     <a:masterClrMapping/>
   </p:clrMapOvr>
-  <mc:AlternateContent xmlns:mc="http://schemas.openxmlformats.org/markup-compatibility/2006">
-    <mc:Choice xmlns:p14="http://schemas.microsoft.com/office/powerpoint/2010/main" Requires="p14">
+  <mc:AlternateContent xmlns:mc="http://schemas.openxmlformats.org/markup-compatibility/2006" xmlns:p14="http://schemas.microsoft.com/office/powerpoint/2010/main">
+    <mc:Choice Requires="p14">
       <p:transition spd="slow" p14:dur="1200" advTm="16354">
         <p14:prism/>
       </p:transition>
     </mc:Choice>
-    <mc:Fallback>
+    <mc:Fallback xmlns="">
       <p:transition spd="slow" advTm="16354">
         <p:fade/>
       </p:transition>
@@ -9104,13 +9120,13 @@
   <p:clrMapOvr>
     <a:masterClrMapping/>
   </p:clrMapOvr>
-  <mc:AlternateContent xmlns:mc="http://schemas.openxmlformats.org/markup-compatibility/2006">
-    <mc:Choice xmlns:p14="http://schemas.microsoft.com/office/powerpoint/2010/main" Requires="p14">
+  <mc:AlternateContent xmlns:mc="http://schemas.openxmlformats.org/markup-compatibility/2006" xmlns:p14="http://schemas.microsoft.com/office/powerpoint/2010/main">
+    <mc:Choice Requires="p14">
       <p:transition spd="slow" p14:dur="1200" advTm="31731">
         <p14:prism/>
       </p:transition>
     </mc:Choice>
-    <mc:Fallback>
+    <mc:Fallback xmlns="">
       <p:transition spd="slow" advTm="31731">
         <p:fade/>
       </p:transition>
@@ -9315,13 +9331,13 @@
   <p:clrMapOvr>
     <a:masterClrMapping/>
   </p:clrMapOvr>
-  <mc:AlternateContent xmlns:mc="http://schemas.openxmlformats.org/markup-compatibility/2006">
-    <mc:Choice xmlns:p14="http://schemas.microsoft.com/office/powerpoint/2010/main" Requires="p14">
+  <mc:AlternateContent xmlns:mc="http://schemas.openxmlformats.org/markup-compatibility/2006" xmlns:p14="http://schemas.microsoft.com/office/powerpoint/2010/main">
+    <mc:Choice Requires="p14">
       <p:transition spd="slow" p14:dur="1200">
         <p14:prism/>
       </p:transition>
     </mc:Choice>
-    <mc:Fallback>
+    <mc:Fallback xmlns="">
       <p:transition spd="slow">
         <p:fade/>
       </p:transition>
@@ -9567,13 +9583,13 @@
   <p:clrMapOvr>
     <a:masterClrMapping/>
   </p:clrMapOvr>
-  <mc:AlternateContent xmlns:mc="http://schemas.openxmlformats.org/markup-compatibility/2006">
-    <mc:Choice xmlns:p14="http://schemas.microsoft.com/office/powerpoint/2010/main" Requires="p14">
+  <mc:AlternateContent xmlns:mc="http://schemas.openxmlformats.org/markup-compatibility/2006" xmlns:p14="http://schemas.microsoft.com/office/powerpoint/2010/main">
+    <mc:Choice Requires="p14">
       <p:transition spd="slow" p14:dur="1200" advTm="42214">
         <p14:prism/>
       </p:transition>
     </mc:Choice>
-    <mc:Fallback>
+    <mc:Fallback xmlns="">
       <p:transition spd="slow" advTm="42214">
         <p:fade/>
       </p:transition>
@@ -9695,13 +9711,13 @@
   <p:clrMapOvr>
     <a:masterClrMapping/>
   </p:clrMapOvr>
-  <mc:AlternateContent xmlns:mc="http://schemas.openxmlformats.org/markup-compatibility/2006">
-    <mc:Choice xmlns:p14="http://schemas.microsoft.com/office/powerpoint/2010/main" Requires="p14">
+  <mc:AlternateContent xmlns:mc="http://schemas.openxmlformats.org/markup-compatibility/2006" xmlns:p14="http://schemas.microsoft.com/office/powerpoint/2010/main">
+    <mc:Choice Requires="p14">
       <p:transition spd="slow" p14:dur="1200" advTm="10458">
         <p14:prism/>
       </p:transition>
     </mc:Choice>
-    <mc:Fallback>
+    <mc:Fallback xmlns="">
       <p:transition spd="slow" advTm="10458">
         <p:fade/>
       </p:transition>
@@ -10046,13 +10062,13 @@
   <p:clrMapOvr>
     <a:masterClrMapping/>
   </p:clrMapOvr>
-  <mc:AlternateContent xmlns:mc="http://schemas.openxmlformats.org/markup-compatibility/2006">
-    <mc:Choice xmlns:p14="http://schemas.microsoft.com/office/powerpoint/2010/main" Requires="p14">
+  <mc:AlternateContent xmlns:mc="http://schemas.openxmlformats.org/markup-compatibility/2006" xmlns:p14="http://schemas.microsoft.com/office/powerpoint/2010/main">
+    <mc:Choice Requires="p14">
       <p:transition spd="slow" p14:dur="1200">
         <p14:prism/>
       </p:transition>
     </mc:Choice>
-    <mc:Fallback>
+    <mc:Fallback xmlns="">
       <p:transition spd="slow">
         <p:fade/>
       </p:transition>
@@ -10519,13 +10535,13 @@
   <p:clrMapOvr>
     <a:masterClrMapping/>
   </p:clrMapOvr>
-  <mc:AlternateContent xmlns:mc="http://schemas.openxmlformats.org/markup-compatibility/2006">
-    <mc:Choice xmlns:p14="http://schemas.microsoft.com/office/powerpoint/2010/main" Requires="p14">
+  <mc:AlternateContent xmlns:mc="http://schemas.openxmlformats.org/markup-compatibility/2006" xmlns:p14="http://schemas.microsoft.com/office/powerpoint/2010/main">
+    <mc:Choice Requires="p14">
       <p:transition spd="slow" p14:dur="1200" advTm="71726">
         <p14:prism/>
       </p:transition>
     </mc:Choice>
-    <mc:Fallback>
+    <mc:Fallback xmlns="">
       <p:transition spd="slow" advTm="71726">
         <p:fade/>
       </p:transition>
@@ -10766,13 +10782,13 @@
   <p:clrMapOvr>
     <a:masterClrMapping/>
   </p:clrMapOvr>
-  <mc:AlternateContent xmlns:mc="http://schemas.openxmlformats.org/markup-compatibility/2006">
-    <mc:Choice xmlns:p14="http://schemas.microsoft.com/office/powerpoint/2010/main" Requires="p14">
+  <mc:AlternateContent xmlns:mc="http://schemas.openxmlformats.org/markup-compatibility/2006" xmlns:p14="http://schemas.microsoft.com/office/powerpoint/2010/main">
+    <mc:Choice Requires="p14">
       <p:transition spd="slow" p14:dur="1200" advTm="33816">
         <p14:prism/>
       </p:transition>
     </mc:Choice>
-    <mc:Fallback>
+    <mc:Fallback xmlns="">
       <p:transition spd="slow" advTm="33816">
         <p:fade/>
       </p:transition>
@@ -11416,13 +11432,13 @@
   <p:clrMapOvr>
     <a:masterClrMapping/>
   </p:clrMapOvr>
-  <mc:AlternateContent xmlns:mc="http://schemas.openxmlformats.org/markup-compatibility/2006">
-    <mc:Choice xmlns:p14="http://schemas.microsoft.com/office/powerpoint/2010/main" Requires="p14">
+  <mc:AlternateContent xmlns:mc="http://schemas.openxmlformats.org/markup-compatibility/2006" xmlns:p14="http://schemas.microsoft.com/office/powerpoint/2010/main">
+    <mc:Choice Requires="p14">
       <p:transition spd="slow" p14:dur="1200" advTm="78624">
         <p14:prism/>
       </p:transition>
     </mc:Choice>
-    <mc:Fallback>
+    <mc:Fallback xmlns="">
       <p:transition spd="slow" advTm="78624">
         <p:fade/>
       </p:transition>
@@ -11540,13 +11556,13 @@
   <p:clrMapOvr>
     <a:masterClrMapping/>
   </p:clrMapOvr>
-  <mc:AlternateContent xmlns:mc="http://schemas.openxmlformats.org/markup-compatibility/2006">
-    <mc:Choice xmlns:p14="http://schemas.microsoft.com/office/powerpoint/2010/main" Requires="p14">
+  <mc:AlternateContent xmlns:mc="http://schemas.openxmlformats.org/markup-compatibility/2006" xmlns:p14="http://schemas.microsoft.com/office/powerpoint/2010/main">
+    <mc:Choice Requires="p14">
       <p:transition spd="slow" p14:dur="1200" advTm="21996">
         <p14:prism/>
       </p:transition>
     </mc:Choice>
-    <mc:Fallback>
+    <mc:Fallback xmlns="">
       <p:transition spd="slow" advTm="21996">
         <p:fade/>
       </p:transition>
@@ -11724,13 +11740,13 @@
   <p:clrMapOvr>
     <a:masterClrMapping/>
   </p:clrMapOvr>
-  <mc:AlternateContent xmlns:mc="http://schemas.openxmlformats.org/markup-compatibility/2006">
-    <mc:Choice xmlns:p14="http://schemas.microsoft.com/office/powerpoint/2010/main" Requires="p14">
+  <mc:AlternateContent xmlns:mc="http://schemas.openxmlformats.org/markup-compatibility/2006" xmlns:p14="http://schemas.microsoft.com/office/powerpoint/2010/main">
+    <mc:Choice Requires="p14">
       <p:transition spd="slow" p14:dur="1200">
         <p14:prism/>
       </p:transition>
     </mc:Choice>
-    <mc:Fallback>
+    <mc:Fallback xmlns="">
       <p:transition spd="slow">
         <p:fade/>
       </p:transition>
